--- a/Project 4.pptx
+++ b/Project 4.pptx
@@ -8,15 +8,16 @@
     <p:sldId id="256" r:id="rId2"/>
     <p:sldId id="257" r:id="rId3"/>
     <p:sldId id="258" r:id="rId4"/>
-    <p:sldId id="260" r:id="rId5"/>
-    <p:sldId id="259" r:id="rId6"/>
-    <p:sldId id="261" r:id="rId7"/>
-    <p:sldId id="262" r:id="rId8"/>
-    <p:sldId id="263" r:id="rId9"/>
-    <p:sldId id="264" r:id="rId10"/>
-    <p:sldId id="265" r:id="rId11"/>
-    <p:sldId id="266" r:id="rId12"/>
-    <p:sldId id="267" r:id="rId13"/>
+    <p:sldId id="268" r:id="rId5"/>
+    <p:sldId id="260" r:id="rId6"/>
+    <p:sldId id="259" r:id="rId7"/>
+    <p:sldId id="261" r:id="rId8"/>
+    <p:sldId id="262" r:id="rId9"/>
+    <p:sldId id="263" r:id="rId10"/>
+    <p:sldId id="264" r:id="rId11"/>
+    <p:sldId id="265" r:id="rId12"/>
+    <p:sldId id="266" r:id="rId13"/>
+    <p:sldId id="267" r:id="rId14"/>
   </p:sldIdLst>
   <p:sldSz cx="12192000" cy="6858000"/>
   <p:notesSz cx="6858000" cy="9144000"/>
@@ -115,6 +116,11 @@
       </a:defRPr>
     </a:lvl9pPr>
   </p:defaultTextStyle>
+  <p:extLst>
+    <p:ext uri="{EFAFB233-063F-42B5-8137-9DF3F51BA10A}">
+      <p15:sldGuideLst xmlns:p15="http://schemas.microsoft.com/office/powerpoint/2012/main"/>
+    </p:ext>
+  </p:extLst>
 </p:presentation>
 </file>
 
@@ -3083,7 +3089,7 @@
           <a:p>
             <a:fld id="{1798E582-E5C5-4F4C-83DC-13C297B7265A}" type="datetimeFigureOut">
               <a:rPr lang="en-CA" smtClean="0"/>
-              <a:t>2024-10-17</a:t>
+              <a:t>2024-10-21</a:t>
             </a:fld>
             <a:endParaRPr lang="en-CA"/>
           </a:p>
@@ -3381,7 +3387,7 @@
           <a:p>
             <a:fld id="{1798E582-E5C5-4F4C-83DC-13C297B7265A}" type="datetimeFigureOut">
               <a:rPr lang="en-CA" smtClean="0"/>
-              <a:t>2024-10-17</a:t>
+              <a:t>2024-10-21</a:t>
             </a:fld>
             <a:endParaRPr lang="en-CA"/>
           </a:p>
@@ -3573,7 +3579,7 @@
           <a:p>
             <a:fld id="{1798E582-E5C5-4F4C-83DC-13C297B7265A}" type="datetimeFigureOut">
               <a:rPr lang="en-CA" smtClean="0"/>
-              <a:t>2024-10-17</a:t>
+              <a:t>2024-10-21</a:t>
             </a:fld>
             <a:endParaRPr lang="en-CA"/>
           </a:p>
@@ -3834,7 +3840,7 @@
           <a:p>
             <a:fld id="{1798E582-E5C5-4F4C-83DC-13C297B7265A}" type="datetimeFigureOut">
               <a:rPr lang="en-CA" smtClean="0"/>
-              <a:t>2024-10-17</a:t>
+              <a:t>2024-10-21</a:t>
             </a:fld>
             <a:endParaRPr lang="en-CA"/>
           </a:p>
@@ -4258,7 +4264,7 @@
           <a:p>
             <a:fld id="{1798E582-E5C5-4F4C-83DC-13C297B7265A}" type="datetimeFigureOut">
               <a:rPr lang="en-CA" smtClean="0"/>
-              <a:t>2024-10-17</a:t>
+              <a:t>2024-10-21</a:t>
             </a:fld>
             <a:endParaRPr lang="en-CA"/>
           </a:p>
@@ -4795,7 +4801,7 @@
           <a:p>
             <a:fld id="{1798E582-E5C5-4F4C-83DC-13C297B7265A}" type="datetimeFigureOut">
               <a:rPr lang="en-CA" smtClean="0"/>
-              <a:t>2024-10-17</a:t>
+              <a:t>2024-10-21</a:t>
             </a:fld>
             <a:endParaRPr lang="en-CA"/>
           </a:p>
@@ -5659,7 +5665,7 @@
           <a:p>
             <a:fld id="{1798E582-E5C5-4F4C-83DC-13C297B7265A}" type="datetimeFigureOut">
               <a:rPr lang="en-CA" smtClean="0"/>
-              <a:t>2024-10-17</a:t>
+              <a:t>2024-10-21</a:t>
             </a:fld>
             <a:endParaRPr lang="en-CA"/>
           </a:p>
@@ -5829,7 +5835,7 @@
           <a:p>
             <a:fld id="{1798E582-E5C5-4F4C-83DC-13C297B7265A}" type="datetimeFigureOut">
               <a:rPr lang="en-CA" smtClean="0"/>
-              <a:t>2024-10-17</a:t>
+              <a:t>2024-10-21</a:t>
             </a:fld>
             <a:endParaRPr lang="en-CA"/>
           </a:p>
@@ -6013,7 +6019,7 @@
           <a:p>
             <a:fld id="{1798E582-E5C5-4F4C-83DC-13C297B7265A}" type="datetimeFigureOut">
               <a:rPr lang="en-CA" smtClean="0"/>
-              <a:t>2024-10-17</a:t>
+              <a:t>2024-10-21</a:t>
             </a:fld>
             <a:endParaRPr lang="en-CA"/>
           </a:p>
@@ -6183,7 +6189,7 @@
           <a:p>
             <a:fld id="{1798E582-E5C5-4F4C-83DC-13C297B7265A}" type="datetimeFigureOut">
               <a:rPr lang="en-CA" smtClean="0"/>
-              <a:t>2024-10-17</a:t>
+              <a:t>2024-10-21</a:t>
             </a:fld>
             <a:endParaRPr lang="en-CA"/>
           </a:p>
@@ -6427,7 +6433,7 @@
           <a:p>
             <a:fld id="{1798E582-E5C5-4F4C-83DC-13C297B7265A}" type="datetimeFigureOut">
               <a:rPr lang="en-CA" smtClean="0"/>
-              <a:t>2024-10-17</a:t>
+              <a:t>2024-10-21</a:t>
             </a:fld>
             <a:endParaRPr lang="en-CA"/>
           </a:p>
@@ -6663,7 +6669,7 @@
           <a:p>
             <a:fld id="{1798E582-E5C5-4F4C-83DC-13C297B7265A}" type="datetimeFigureOut">
               <a:rPr lang="en-CA" smtClean="0"/>
-              <a:t>2024-10-17</a:t>
+              <a:t>2024-10-21</a:t>
             </a:fld>
             <a:endParaRPr lang="en-CA"/>
           </a:p>
@@ -7129,7 +7135,7 @@
           <a:p>
             <a:fld id="{1798E582-E5C5-4F4C-83DC-13C297B7265A}" type="datetimeFigureOut">
               <a:rPr lang="en-CA" smtClean="0"/>
-              <a:t>2024-10-17</a:t>
+              <a:t>2024-10-21</a:t>
             </a:fld>
             <a:endParaRPr lang="en-CA"/>
           </a:p>
@@ -7247,7 +7253,7 @@
           <a:p>
             <a:fld id="{1798E582-E5C5-4F4C-83DC-13C297B7265A}" type="datetimeFigureOut">
               <a:rPr lang="en-CA" smtClean="0"/>
-              <a:t>2024-10-17</a:t>
+              <a:t>2024-10-21</a:t>
             </a:fld>
             <a:endParaRPr lang="en-CA"/>
           </a:p>
@@ -7342,7 +7348,7 @@
           <a:p>
             <a:fld id="{1798E582-E5C5-4F4C-83DC-13C297B7265A}" type="datetimeFigureOut">
               <a:rPr lang="en-CA" smtClean="0"/>
-              <a:t>2024-10-17</a:t>
+              <a:t>2024-10-21</a:t>
             </a:fld>
             <a:endParaRPr lang="en-CA"/>
           </a:p>
@@ -7597,7 +7603,7 @@
           <a:p>
             <a:fld id="{1798E582-E5C5-4F4C-83DC-13C297B7265A}" type="datetimeFigureOut">
               <a:rPr lang="en-CA" smtClean="0"/>
-              <a:t>2024-10-17</a:t>
+              <a:t>2024-10-21</a:t>
             </a:fld>
             <a:endParaRPr lang="en-CA"/>
           </a:p>
@@ -7897,7 +7903,7 @@
           <a:p>
             <a:fld id="{1798E582-E5C5-4F4C-83DC-13C297B7265A}" type="datetimeFigureOut">
               <a:rPr lang="en-CA" smtClean="0"/>
-              <a:t>2024-10-17</a:t>
+              <a:t>2024-10-21</a:t>
             </a:fld>
             <a:endParaRPr lang="en-CA"/>
           </a:p>
@@ -8131,7 +8137,7 @@
           <a:p>
             <a:fld id="{1798E582-E5C5-4F4C-83DC-13C297B7265A}" type="datetimeFigureOut">
               <a:rPr lang="en-CA" smtClean="0"/>
-              <a:t>2024-10-17</a:t>
+              <a:t>2024-10-21</a:t>
             </a:fld>
             <a:endParaRPr lang="en-CA"/>
           </a:p>
@@ -8971,7 +8977,7 @@
           <p:cNvPr id="2" name="Title 1">
             <a:extLst>
               <a:ext uri="{FF2B5EF4-FFF2-40B4-BE49-F238E27FC236}">
-                <a16:creationId xmlns:a16="http://schemas.microsoft.com/office/drawing/2014/main" id="{D79FCD92-EA40-618E-5338-88617388C298}"/>
+                <a16:creationId xmlns:a16="http://schemas.microsoft.com/office/drawing/2014/main" id="{2BF7DD1C-8573-B186-D2B9-AAC0C823837B}"/>
               </a:ext>
             </a:extLst>
           </p:cNvPr>
@@ -8990,11 +8996,18 @@
           <a:lstStyle/>
           <a:p>
             <a:r>
-              <a:rPr lang="en-US" sz="3600" b="0" dirty="0">
+              <a:rPr lang="en-CA" sz="4000" dirty="0">
                 <a:effectLst/>
                 <a:latin typeface="Consolas" panose="020B0609020204030204" pitchFamily="49" charset="0"/>
               </a:rPr>
-              <a:t>Water EQI and Air EQI improved by 50%</a:t>
+              <a:t>Sociodemographic</a:t>
+            </a:r>
+            <a:r>
+              <a:rPr lang="en-US" sz="4000" b="0" dirty="0">
+                <a:effectLst/>
+                <a:latin typeface="Consolas" panose="020B0609020204030204" pitchFamily="49" charset="0"/>
+              </a:rPr>
+              <a:t> EQI and Air EQI improved by 20%</a:t>
             </a:r>
             <a:br>
               <a:rPr lang="en-US" b="0" dirty="0">
@@ -9014,7 +9027,7 @@
           <p:cNvPr id="5" name="Content Placeholder 4" descr="A graph with blue and orange dots&#10;&#10;Description automatically generated">
             <a:extLst>
               <a:ext uri="{FF2B5EF4-FFF2-40B4-BE49-F238E27FC236}">
-                <a16:creationId xmlns:a16="http://schemas.microsoft.com/office/drawing/2014/main" id="{F1719C53-842C-1726-7E48-C3C478CDD56C}"/>
+                <a16:creationId xmlns:a16="http://schemas.microsoft.com/office/drawing/2014/main" id="{12E8F884-5BE4-ABDE-D00A-751927C35FE1}"/>
               </a:ext>
             </a:extLst>
           </p:cNvPr>
@@ -9049,6 +9062,163 @@
           <p:cNvPr id="6" name="TextBox 5">
             <a:extLst>
               <a:ext uri="{FF2B5EF4-FFF2-40B4-BE49-F238E27FC236}">
+                <a16:creationId xmlns:a16="http://schemas.microsoft.com/office/drawing/2014/main" id="{C87A6016-4674-FAAA-928F-B9582EF55803}"/>
+              </a:ext>
+            </a:extLst>
+          </p:cNvPr>
+          <p:cNvSpPr txBox="1"/>
+          <p:nvPr/>
+        </p:nvSpPr>
+        <p:spPr>
+          <a:xfrm>
+            <a:off x="654424" y="3266192"/>
+            <a:ext cx="3912887" cy="1200329"/>
+          </a:xfrm>
+          <a:prstGeom prst="rect">
+            <a:avLst/>
+          </a:prstGeom>
+          <a:noFill/>
+        </p:spPr>
+        <p:txBody>
+          <a:bodyPr wrap="square" rtlCol="0">
+            <a:spAutoFit/>
+          </a:bodyPr>
+          <a:lstStyle/>
+          <a:p>
+            <a:r>
+              <a:rPr lang="en-US" dirty="0"/>
+              <a:t>This graph show a slight improvement in lung cancer severity by improving peoples </a:t>
+            </a:r>
+            <a:r>
+              <a:rPr lang="en-CA" dirty="0"/>
+              <a:t>sociodemographic and improving the air quality</a:t>
+            </a:r>
+            <a:r>
+              <a:rPr lang="en-CA" b="0" i="0" dirty="0">
+                <a:solidFill>
+                  <a:srgbClr val="1B1B1B"/>
+                </a:solidFill>
+                <a:effectLst/>
+                <a:latin typeface="Source Sans Pro Web"/>
+              </a:rPr>
+              <a:t>.</a:t>
+            </a:r>
+          </a:p>
+        </p:txBody>
+      </p:sp>
+    </p:spTree>
+    <p:extLst>
+      <p:ext uri="{BB962C8B-B14F-4D97-AF65-F5344CB8AC3E}">
+        <p14:creationId xmlns:p14="http://schemas.microsoft.com/office/powerpoint/2010/main" val="4036799603"/>
+      </p:ext>
+    </p:extLst>
+  </p:cSld>
+  <p:clrMapOvr>
+    <a:masterClrMapping/>
+  </p:clrMapOvr>
+</p:sld>
+</file>
+
+<file path=ppt/slides/slide11.xml><?xml version="1.0" encoding="utf-8"?>
+<p:sld xmlns:a="http://schemas.openxmlformats.org/drawingml/2006/main" xmlns:r="http://schemas.openxmlformats.org/officeDocument/2006/relationships" xmlns:p="http://schemas.openxmlformats.org/presentationml/2006/main">
+  <p:cSld>
+    <p:spTree>
+      <p:nvGrpSpPr>
+        <p:cNvPr id="1" name=""/>
+        <p:cNvGrpSpPr/>
+        <p:nvPr/>
+      </p:nvGrpSpPr>
+      <p:grpSpPr>
+        <a:xfrm>
+          <a:off x="0" y="0"/>
+          <a:ext cx="0" cy="0"/>
+          <a:chOff x="0" y="0"/>
+          <a:chExt cx="0" cy="0"/>
+        </a:xfrm>
+      </p:grpSpPr>
+      <p:sp>
+        <p:nvSpPr>
+          <p:cNvPr id="2" name="Title 1">
+            <a:extLst>
+              <a:ext uri="{FF2B5EF4-FFF2-40B4-BE49-F238E27FC236}">
+                <a16:creationId xmlns:a16="http://schemas.microsoft.com/office/drawing/2014/main" id="{D79FCD92-EA40-618E-5338-88617388C298}"/>
+              </a:ext>
+            </a:extLst>
+          </p:cNvPr>
+          <p:cNvSpPr>
+            <a:spLocks noGrp="1"/>
+          </p:cNvSpPr>
+          <p:nvPr>
+            <p:ph type="title"/>
+          </p:nvPr>
+        </p:nvSpPr>
+        <p:spPr/>
+        <p:txBody>
+          <a:bodyPr>
+            <a:normAutofit fontScale="90000"/>
+          </a:bodyPr>
+          <a:lstStyle/>
+          <a:p>
+            <a:r>
+              <a:rPr lang="en-US" sz="3600" b="0" dirty="0">
+                <a:effectLst/>
+                <a:latin typeface="Consolas" panose="020B0609020204030204" pitchFamily="49" charset="0"/>
+              </a:rPr>
+              <a:t>Water EQI and Air EQI improved by 50%</a:t>
+            </a:r>
+            <a:br>
+              <a:rPr lang="en-US" b="0" dirty="0">
+                <a:solidFill>
+                  <a:srgbClr val="C5C8C6"/>
+                </a:solidFill>
+                <a:effectLst/>
+                <a:latin typeface="Consolas" panose="020B0609020204030204" pitchFamily="49" charset="0"/>
+              </a:rPr>
+            </a:br>
+            <a:endParaRPr lang="en-CA" dirty="0"/>
+          </a:p>
+        </p:txBody>
+      </p:sp>
+      <p:pic>
+        <p:nvPicPr>
+          <p:cNvPr id="5" name="Content Placeholder 4" descr="A graph with blue and orange dots&#10;&#10;Description automatically generated">
+            <a:extLst>
+              <a:ext uri="{FF2B5EF4-FFF2-40B4-BE49-F238E27FC236}">
+                <a16:creationId xmlns:a16="http://schemas.microsoft.com/office/drawing/2014/main" id="{F1719C53-842C-1726-7E48-C3C478CDD56C}"/>
+              </a:ext>
+            </a:extLst>
+          </p:cNvPr>
+          <p:cNvPicPr>
+            <a:picLocks noGrp="1" noChangeAspect="1"/>
+          </p:cNvPicPr>
+          <p:nvPr>
+            <p:ph idx="1"/>
+          </p:nvPr>
+        </p:nvPicPr>
+        <p:blipFill>
+          <a:blip r:embed="rId2">
+            <a:extLst>
+              <a:ext uri="{28A0092B-C50C-407E-A947-70E740481C1C}">
+                <a14:useLocalDpi xmlns:a14="http://schemas.microsoft.com/office/drawing/2010/main" val="0"/>
+              </a:ext>
+            </a:extLst>
+          </a:blip>
+          <a:stretch>
+            <a:fillRect/>
+          </a:stretch>
+        </p:blipFill>
+        <p:spPr>
+          <a:xfrm>
+            <a:off x="4567311" y="1690688"/>
+            <a:ext cx="6786489" cy="4351338"/>
+          </a:xfrm>
+        </p:spPr>
+      </p:pic>
+      <p:sp>
+        <p:nvSpPr>
+          <p:cNvPr id="6" name="TextBox 5">
+            <a:extLst>
+              <a:ext uri="{FF2B5EF4-FFF2-40B4-BE49-F238E27FC236}">
                 <a16:creationId xmlns:a16="http://schemas.microsoft.com/office/drawing/2014/main" id="{E12F99C7-E8F0-7F77-E523-D207CDE74DA3}"/>
               </a:ext>
             </a:extLst>
@@ -9095,7 +9265,7 @@
 </p:sld>
 </file>
 
-<file path=ppt/slides/slide11.xml><?xml version="1.0" encoding="utf-8"?>
+<file path=ppt/slides/slide12.xml><?xml version="1.0" encoding="utf-8"?>
 <p:sld xmlns:a="http://schemas.openxmlformats.org/drawingml/2006/main" xmlns:r="http://schemas.openxmlformats.org/officeDocument/2006/relationships" xmlns:p="http://schemas.openxmlformats.org/presentationml/2006/main">
   <p:cSld>
     <p:spTree>
@@ -9198,7 +9368,7 @@
 </p:sld>
 </file>
 
-<file path=ppt/slides/slide12.xml><?xml version="1.0" encoding="utf-8"?>
+<file path=ppt/slides/slide13.xml><?xml version="1.0" encoding="utf-8"?>
 <p:sld xmlns:a="http://schemas.openxmlformats.org/drawingml/2006/main" xmlns:r="http://schemas.openxmlformats.org/officeDocument/2006/relationships" xmlns:p="http://schemas.openxmlformats.org/presentationml/2006/main">
   <p:cSld>
     <p:spTree>
@@ -9586,6 +9756,194 @@
 </file>
 
 <file path=ppt/slides/slide4.xml><?xml version="1.0" encoding="utf-8"?>
+<p:sld xmlns:a="http://schemas.openxmlformats.org/drawingml/2006/main" xmlns:r="http://schemas.openxmlformats.org/officeDocument/2006/relationships" xmlns:p="http://schemas.openxmlformats.org/presentationml/2006/main">
+  <p:cSld>
+    <p:bg>
+      <p:bgPr>
+        <a:blipFill rotWithShape="1">
+          <a:blip r:embed="rId2">
+            <a:duotone>
+              <a:schemeClr val="bg2">
+                <a:shade val="80000"/>
+                <a:lumMod val="80000"/>
+              </a:schemeClr>
+              <a:schemeClr val="bg2">
+                <a:tint val="98000"/>
+              </a:schemeClr>
+            </a:duotone>
+          </a:blip>
+          <a:stretch/>
+        </a:blipFill>
+        <a:effectLst/>
+      </p:bgPr>
+    </p:bg>
+    <p:spTree>
+      <p:nvGrpSpPr>
+        <p:cNvPr id="1" name=""/>
+        <p:cNvGrpSpPr/>
+        <p:nvPr/>
+      </p:nvGrpSpPr>
+      <p:grpSpPr>
+        <a:xfrm>
+          <a:off x="0" y="0"/>
+          <a:ext cx="0" cy="0"/>
+          <a:chOff x="0" y="0"/>
+          <a:chExt cx="0" cy="0"/>
+        </a:xfrm>
+      </p:grpSpPr>
+      <p:sp>
+        <p:nvSpPr>
+          <p:cNvPr id="2" name="Title 1">
+            <a:extLst>
+              <a:ext uri="{FF2B5EF4-FFF2-40B4-BE49-F238E27FC236}">
+                <a16:creationId xmlns:a16="http://schemas.microsoft.com/office/drawing/2014/main" id="{FAA775F9-163F-2247-AD6E-B31F400FE20D}"/>
+              </a:ext>
+            </a:extLst>
+          </p:cNvPr>
+          <p:cNvSpPr>
+            <a:spLocks noGrp="1"/>
+          </p:cNvSpPr>
+          <p:nvPr>
+            <p:ph type="title"/>
+          </p:nvPr>
+        </p:nvSpPr>
+        <p:spPr>
+          <a:xfrm>
+            <a:off x="974628" y="2943775"/>
+            <a:ext cx="3078749" cy="970450"/>
+          </a:xfrm>
+        </p:spPr>
+        <p:txBody>
+          <a:bodyPr anchor="b">
+            <a:normAutofit/>
+          </a:bodyPr>
+          <a:lstStyle/>
+          <a:p>
+            <a:pPr algn="l"/>
+            <a:r>
+              <a:rPr lang="en-US" sz="2800" dirty="0"/>
+              <a:t>Most impactful pollutants</a:t>
+            </a:r>
+            <a:endParaRPr lang="en-CA" sz="2800" dirty="0"/>
+          </a:p>
+        </p:txBody>
+      </p:sp>
+      <p:sp>
+        <p:nvSpPr>
+          <p:cNvPr id="16" name="Rectangle 15">
+            <a:extLst>
+              <a:ext uri="{FF2B5EF4-FFF2-40B4-BE49-F238E27FC236}">
+                <a16:creationId xmlns:a16="http://schemas.microsoft.com/office/drawing/2014/main" id="{0A22D114-11B7-46ED-94A9-18DC1C977BF4}"/>
+              </a:ext>
+              <a:ext uri="{C183D7F6-B498-43B3-948B-1728B52AA6E4}">
+                <adec:decorative xmlns:adec="http://schemas.microsoft.com/office/drawing/2017/decorative" val="1"/>
+              </a:ext>
+            </a:extLst>
+          </p:cNvPr>
+          <p:cNvSpPr>
+            <a:spLocks noGrp="1" noRot="1" noChangeAspect="1" noMove="1" noResize="1" noEditPoints="1" noAdjustHandles="1" noChangeArrowheads="1" noChangeShapeType="1" noTextEdit="1"/>
+          </p:cNvSpPr>
+          <p:nvPr>
+            <p:extLst>
+              <p:ext uri="{386F3935-93C4-4BCD-93E2-E3B085C9AB24}">
+                <p16:designElem xmlns:p16="http://schemas.microsoft.com/office/powerpoint/2015/main" val="1"/>
+              </p:ext>
+            </p:extLst>
+          </p:nvPr>
+        </p:nvSpPr>
+        <p:spPr>
+          <a:xfrm>
+            <a:off x="4636008" y="965196"/>
+            <a:ext cx="6581364" cy="4781641"/>
+          </a:xfrm>
+          <a:prstGeom prst="rect">
+            <a:avLst/>
+          </a:prstGeom>
+          <a:solidFill>
+            <a:schemeClr val="tx1"/>
+          </a:solidFill>
+          <a:ln w="190500">
+            <a:solidFill>
+              <a:schemeClr val="tx1">
+                <a:alpha val="7000"/>
+              </a:schemeClr>
+            </a:solidFill>
+          </a:ln>
+        </p:spPr>
+        <p:style>
+          <a:lnRef idx="2">
+            <a:schemeClr val="accent1">
+              <a:shade val="50000"/>
+            </a:schemeClr>
+          </a:lnRef>
+          <a:fillRef idx="1">
+            <a:schemeClr val="accent1"/>
+          </a:fillRef>
+          <a:effectRef idx="0">
+            <a:schemeClr val="accent1"/>
+          </a:effectRef>
+          <a:fontRef idx="minor">
+            <a:schemeClr val="lt1"/>
+          </a:fontRef>
+        </p:style>
+        <p:txBody>
+          <a:bodyPr rtlCol="0" anchor="ctr"/>
+          <a:lstStyle/>
+          <a:p>
+            <a:pPr algn="ctr"/>
+            <a:endParaRPr lang="en-US"/>
+          </a:p>
+        </p:txBody>
+      </p:sp>
+      <p:pic>
+        <p:nvPicPr>
+          <p:cNvPr id="9" name="Content Placeholder 8" descr="A graph with blue squares&#10;&#10;Description automatically generated">
+            <a:extLst>
+              <a:ext uri="{FF2B5EF4-FFF2-40B4-BE49-F238E27FC236}">
+                <a16:creationId xmlns:a16="http://schemas.microsoft.com/office/drawing/2014/main" id="{5A432170-F389-B4EB-B269-8384EB191037}"/>
+              </a:ext>
+            </a:extLst>
+          </p:cNvPr>
+          <p:cNvPicPr>
+            <a:picLocks noChangeAspect="1"/>
+          </p:cNvPicPr>
+          <p:nvPr/>
+        </p:nvPicPr>
+        <p:blipFill>
+          <a:blip r:embed="rId3">
+            <a:extLst>
+              <a:ext uri="{28A0092B-C50C-407E-A947-70E740481C1C}">
+                <a14:useLocalDpi xmlns:a14="http://schemas.microsoft.com/office/drawing/2010/main" val="0"/>
+              </a:ext>
+            </a:extLst>
+          </a:blip>
+          <a:srcRect r="8613" b="3"/>
+          <a:stretch/>
+        </p:blipFill>
+        <p:spPr>
+          <a:xfrm>
+            <a:off x="5120640" y="1438360"/>
+            <a:ext cx="5676236" cy="3835314"/>
+          </a:xfrm>
+          <a:prstGeom prst="rect">
+            <a:avLst/>
+          </a:prstGeom>
+        </p:spPr>
+      </p:pic>
+    </p:spTree>
+    <p:extLst>
+      <p:ext uri="{BB962C8B-B14F-4D97-AF65-F5344CB8AC3E}">
+        <p14:creationId xmlns:p14="http://schemas.microsoft.com/office/powerpoint/2010/main" val="1188746126"/>
+      </p:ext>
+    </p:extLst>
+  </p:cSld>
+  <p:clrMapOvr>
+    <a:masterClrMapping/>
+  </p:clrMapOvr>
+</p:sld>
+</file>
+
+<file path=ppt/slides/slide5.xml><?xml version="1.0" encoding="utf-8"?>
 <p:sld xmlns:a="http://schemas.openxmlformats.org/drawingml/2006/main" xmlns:r="http://schemas.openxmlformats.org/officeDocument/2006/relationships" xmlns:p="http://schemas.openxmlformats.org/presentationml/2006/main">
   <p:cSld>
     <p:bg>
@@ -9889,7 +10247,7 @@
 </p:sld>
 </file>
 
-<file path=ppt/slides/slide5.xml><?xml version="1.0" encoding="utf-8"?>
+<file path=ppt/slides/slide6.xml><?xml version="1.0" encoding="utf-8"?>
 <p:sld xmlns:a="http://schemas.openxmlformats.org/drawingml/2006/main" xmlns:r="http://schemas.openxmlformats.org/officeDocument/2006/relationships" xmlns:p="http://schemas.openxmlformats.org/presentationml/2006/main">
   <p:cSld>
     <p:spTree>
@@ -10166,7 +10524,7 @@
 </p:sld>
 </file>
 
-<file path=ppt/slides/slide6.xml><?xml version="1.0" encoding="utf-8"?>
+<file path=ppt/slides/slide7.xml><?xml version="1.0" encoding="utf-8"?>
 <p:sld xmlns:a="http://schemas.openxmlformats.org/drawingml/2006/main" xmlns:r="http://schemas.openxmlformats.org/officeDocument/2006/relationships" xmlns:p="http://schemas.openxmlformats.org/presentationml/2006/main">
   <p:cSld>
     <p:bg>
@@ -10359,7 +10717,7 @@
 </p:sld>
 </file>
 
-<file path=ppt/slides/slide7.xml><?xml version="1.0" encoding="utf-8"?>
+<file path=ppt/slides/slide8.xml><?xml version="1.0" encoding="utf-8"?>
 <p:sld xmlns:a="http://schemas.openxmlformats.org/drawingml/2006/main" xmlns:r="http://schemas.openxmlformats.org/officeDocument/2006/relationships" xmlns:p="http://schemas.openxmlformats.org/presentationml/2006/main">
   <p:cSld>
     <p:spTree>
@@ -10508,150 +10866,6 @@
     <p:extLst>
       <p:ext uri="{BB962C8B-B14F-4D97-AF65-F5344CB8AC3E}">
         <p14:creationId xmlns:p14="http://schemas.microsoft.com/office/powerpoint/2010/main" val="2183099073"/>
-      </p:ext>
-    </p:extLst>
-  </p:cSld>
-  <p:clrMapOvr>
-    <a:masterClrMapping/>
-  </p:clrMapOvr>
-</p:sld>
-</file>
-
-<file path=ppt/slides/slide8.xml><?xml version="1.0" encoding="utf-8"?>
-<p:sld xmlns:a="http://schemas.openxmlformats.org/drawingml/2006/main" xmlns:r="http://schemas.openxmlformats.org/officeDocument/2006/relationships" xmlns:p="http://schemas.openxmlformats.org/presentationml/2006/main">
-  <p:cSld>
-    <p:spTree>
-      <p:nvGrpSpPr>
-        <p:cNvPr id="1" name=""/>
-        <p:cNvGrpSpPr/>
-        <p:nvPr/>
-      </p:nvGrpSpPr>
-      <p:grpSpPr>
-        <a:xfrm>
-          <a:off x="0" y="0"/>
-          <a:ext cx="0" cy="0"/>
-          <a:chOff x="0" y="0"/>
-          <a:chExt cx="0" cy="0"/>
-        </a:xfrm>
-      </p:grpSpPr>
-      <p:sp>
-        <p:nvSpPr>
-          <p:cNvPr id="2" name="Title 1">
-            <a:extLst>
-              <a:ext uri="{FF2B5EF4-FFF2-40B4-BE49-F238E27FC236}">
-                <a16:creationId xmlns:a16="http://schemas.microsoft.com/office/drawing/2014/main" id="{735F9EFF-A23C-E7AB-74BA-137176F60DF9}"/>
-              </a:ext>
-            </a:extLst>
-          </p:cNvPr>
-          <p:cNvSpPr>
-            <a:spLocks noGrp="1"/>
-          </p:cNvSpPr>
-          <p:nvPr>
-            <p:ph type="title"/>
-          </p:nvPr>
-        </p:nvSpPr>
-        <p:spPr/>
-        <p:txBody>
-          <a:bodyPr>
-            <a:normAutofit fontScale="90000"/>
-          </a:bodyPr>
-          <a:lstStyle/>
-          <a:p>
-            <a:r>
-              <a:rPr lang="en-US" sz="3600" b="0" dirty="0">
-                <a:effectLst/>
-                <a:latin typeface="Consolas" panose="020B0609020204030204" pitchFamily="49" charset="0"/>
-              </a:rPr>
-              <a:t>Reducing all air pollutants by 50%</a:t>
-            </a:r>
-            <a:br>
-              <a:rPr lang="en-US" b="0" dirty="0">
-                <a:solidFill>
-                  <a:srgbClr val="C5C8C6"/>
-                </a:solidFill>
-                <a:effectLst/>
-                <a:latin typeface="Consolas" panose="020B0609020204030204" pitchFamily="49" charset="0"/>
-              </a:rPr>
-            </a:br>
-            <a:endParaRPr lang="en-CA" dirty="0"/>
-          </a:p>
-        </p:txBody>
-      </p:sp>
-      <p:pic>
-        <p:nvPicPr>
-          <p:cNvPr id="7" name="Content Placeholder 6" descr="A graph with blue and orange dots&#10;&#10;Description automatically generated">
-            <a:extLst>
-              <a:ext uri="{FF2B5EF4-FFF2-40B4-BE49-F238E27FC236}">
-                <a16:creationId xmlns:a16="http://schemas.microsoft.com/office/drawing/2014/main" id="{2F6AD769-BE35-94CE-D649-8C55A8FEB124}"/>
-              </a:ext>
-            </a:extLst>
-          </p:cNvPr>
-          <p:cNvPicPr>
-            <a:picLocks noGrp="1" noChangeAspect="1"/>
-          </p:cNvPicPr>
-          <p:nvPr>
-            <p:ph idx="1"/>
-          </p:nvPr>
-        </p:nvPicPr>
-        <p:blipFill>
-          <a:blip r:embed="rId2">
-            <a:extLst>
-              <a:ext uri="{28A0092B-C50C-407E-A947-70E740481C1C}">
-                <a14:useLocalDpi xmlns:a14="http://schemas.microsoft.com/office/drawing/2010/main" val="0"/>
-              </a:ext>
-            </a:extLst>
-          </a:blip>
-          <a:stretch>
-            <a:fillRect/>
-          </a:stretch>
-        </p:blipFill>
-        <p:spPr>
-          <a:xfrm>
-            <a:off x="4567311" y="1690688"/>
-            <a:ext cx="6786489" cy="4351338"/>
-          </a:xfrm>
-        </p:spPr>
-      </p:pic>
-      <p:sp>
-        <p:nvSpPr>
-          <p:cNvPr id="8" name="TextBox 7">
-            <a:extLst>
-              <a:ext uri="{FF2B5EF4-FFF2-40B4-BE49-F238E27FC236}">
-                <a16:creationId xmlns:a16="http://schemas.microsoft.com/office/drawing/2014/main" id="{846E87C4-94A5-0937-9DBD-10921DF80186}"/>
-              </a:ext>
-            </a:extLst>
-          </p:cNvPr>
-          <p:cNvSpPr txBox="1"/>
-          <p:nvPr/>
-        </p:nvSpPr>
-        <p:spPr>
-          <a:xfrm>
-            <a:off x="913795" y="3404692"/>
-            <a:ext cx="3729111" cy="923330"/>
-          </a:xfrm>
-          <a:prstGeom prst="rect">
-            <a:avLst/>
-          </a:prstGeom>
-          <a:noFill/>
-        </p:spPr>
-        <p:txBody>
-          <a:bodyPr wrap="square" rtlCol="0">
-            <a:spAutoFit/>
-          </a:bodyPr>
-          <a:lstStyle/>
-          <a:p>
-            <a:r>
-              <a:rPr lang="en-US" dirty="0"/>
-              <a:t>In this graph it show a huge reduction in lung cancer severity by reducing air pollution by 50%</a:t>
-            </a:r>
-            <a:endParaRPr lang="en-CA" dirty="0"/>
-          </a:p>
-        </p:txBody>
-      </p:sp>
-    </p:spTree>
-    <p:extLst>
-      <p:ext uri="{BB962C8B-B14F-4D97-AF65-F5344CB8AC3E}">
-        <p14:creationId xmlns:p14="http://schemas.microsoft.com/office/powerpoint/2010/main" val="1245803569"/>
       </p:ext>
     </p:extLst>
   </p:cSld>
@@ -10683,7 +10897,7 @@
           <p:cNvPr id="2" name="Title 1">
             <a:extLst>
               <a:ext uri="{FF2B5EF4-FFF2-40B4-BE49-F238E27FC236}">
-                <a16:creationId xmlns:a16="http://schemas.microsoft.com/office/drawing/2014/main" id="{2BF7DD1C-8573-B186-D2B9-AAC0C823837B}"/>
+                <a16:creationId xmlns:a16="http://schemas.microsoft.com/office/drawing/2014/main" id="{735F9EFF-A23C-E7AB-74BA-137176F60DF9}"/>
               </a:ext>
             </a:extLst>
           </p:cNvPr>
@@ -10702,18 +10916,11 @@
           <a:lstStyle/>
           <a:p>
             <a:r>
-              <a:rPr lang="en-CA" sz="4000" dirty="0">
+              <a:rPr lang="en-US" sz="3600" b="0" dirty="0">
                 <a:effectLst/>
                 <a:latin typeface="Consolas" panose="020B0609020204030204" pitchFamily="49" charset="0"/>
               </a:rPr>
-              <a:t>Sociodemographic</a:t>
-            </a:r>
-            <a:r>
-              <a:rPr lang="en-US" sz="4000" b="0" dirty="0">
-                <a:effectLst/>
-                <a:latin typeface="Consolas" panose="020B0609020204030204" pitchFamily="49" charset="0"/>
-              </a:rPr>
-              <a:t> EQI and Air EQI improved by 20%</a:t>
+              <a:t>Reducing all air pollutants by 50%</a:t>
             </a:r>
             <a:br>
               <a:rPr lang="en-US" b="0" dirty="0">
@@ -10730,10 +10937,10 @@
       </p:sp>
       <p:pic>
         <p:nvPicPr>
-          <p:cNvPr id="5" name="Content Placeholder 4" descr="A graph with blue and orange dots&#10;&#10;Description automatically generated">
+          <p:cNvPr id="7" name="Content Placeholder 6" descr="A graph with blue and orange dots&#10;&#10;Description automatically generated">
             <a:extLst>
               <a:ext uri="{FF2B5EF4-FFF2-40B4-BE49-F238E27FC236}">
-                <a16:creationId xmlns:a16="http://schemas.microsoft.com/office/drawing/2014/main" id="{12E8F884-5BE4-ABDE-D00A-751927C35FE1}"/>
+                <a16:creationId xmlns:a16="http://schemas.microsoft.com/office/drawing/2014/main" id="{2F6AD769-BE35-94CE-D649-8C55A8FEB124}"/>
               </a:ext>
             </a:extLst>
           </p:cNvPr>
@@ -10765,10 +10972,10 @@
       </p:pic>
       <p:sp>
         <p:nvSpPr>
-          <p:cNvPr id="6" name="TextBox 5">
+          <p:cNvPr id="8" name="TextBox 7">
             <a:extLst>
               <a:ext uri="{FF2B5EF4-FFF2-40B4-BE49-F238E27FC236}">
-                <a16:creationId xmlns:a16="http://schemas.microsoft.com/office/drawing/2014/main" id="{C87A6016-4674-FAAA-928F-B9582EF55803}"/>
+                <a16:creationId xmlns:a16="http://schemas.microsoft.com/office/drawing/2014/main" id="{846E87C4-94A5-0937-9DBD-10921DF80186}"/>
               </a:ext>
             </a:extLst>
           </p:cNvPr>
@@ -10777,8 +10984,8 @@
         </p:nvSpPr>
         <p:spPr>
           <a:xfrm>
-            <a:off x="654424" y="3266192"/>
-            <a:ext cx="3912887" cy="1200329"/>
+            <a:off x="913795" y="3404692"/>
+            <a:ext cx="3729111" cy="923330"/>
           </a:xfrm>
           <a:prstGeom prst="rect">
             <a:avLst/>
@@ -10793,29 +11000,16 @@
           <a:p>
             <a:r>
               <a:rPr lang="en-US" dirty="0"/>
-              <a:t>This graph show a slight improvement in lung cancer severity by improving peoples </a:t>
-            </a:r>
-            <a:r>
-              <a:rPr lang="en-CA" dirty="0"/>
-              <a:t>sociodemographic and improving the air quality</a:t>
-            </a:r>
-            <a:r>
-              <a:rPr lang="en-CA" b="0" i="0" dirty="0">
-                <a:solidFill>
-                  <a:srgbClr val="1B1B1B"/>
-                </a:solidFill>
-                <a:effectLst/>
-                <a:latin typeface="Source Sans Pro Web"/>
-              </a:rPr>
-              <a:t>.</a:t>
-            </a:r>
+              <a:t>In this graph it show a huge reduction in lung cancer severity by reducing air pollution by 50%</a:t>
+            </a:r>
+            <a:endParaRPr lang="en-CA" dirty="0"/>
           </a:p>
         </p:txBody>
       </p:sp>
     </p:spTree>
     <p:extLst>
       <p:ext uri="{BB962C8B-B14F-4D97-AF65-F5344CB8AC3E}">
-        <p14:creationId xmlns:p14="http://schemas.microsoft.com/office/powerpoint/2010/main" val="4036799603"/>
+        <p14:creationId xmlns:p14="http://schemas.microsoft.com/office/powerpoint/2010/main" val="1245803569"/>
       </p:ext>
     </p:extLst>
   </p:cSld>
